--- a/aula06/Aula06.pptx
+++ b/aula06/Aula06.pptx
@@ -129,6 +129,11 @@
       </a:defRPr>
     </a:lvl9pPr>
   </p:defaultTextStyle>
+  <p:extLst>
+    <p:ext uri="{EFAFB233-063F-42B5-8137-9DF3F51BA10A}">
+      <p15:sldGuideLst xmlns:p15="http://schemas.microsoft.com/office/powerpoint/2012/main"/>
+    </p:ext>
+  </p:extLst>
 </p:presentation>
 </file>
 
@@ -10850,8 +10855,8 @@
         </p:nvSpPr>
         <p:spPr>
           <a:xfrm rot="7200">
-            <a:off x="455040" y="877989"/>
-            <a:ext cx="7241760" cy="4523503"/>
+            <a:off x="455040" y="718715"/>
+            <a:ext cx="7241760" cy="4842051"/>
           </a:xfrm>
           <a:prstGeom prst="rect">
             <a:avLst/>
@@ -10912,6 +10917,18 @@
               </a:rPr>
               <a:t>Demonstração prática GIT Desktop:</a:t>
             </a:r>
+          </a:p>
+          <a:p>
+            <a:pPr marL="216000" indent="-216000" algn="just">
+              <a:lnSpc>
+                <a:spcPct val="115000"/>
+              </a:lnSpc>
+              <a:buClr>
+                <a:srgbClr val="000000"/>
+              </a:buClr>
+              <a:buFont typeface="Arial"/>
+              <a:buChar char="●"/>
+            </a:pPr>
             <a:endParaRPr lang="pt-BR" sz="1800" b="0" strike="noStrike" spc="-1" dirty="0">
               <a:solidFill>
                 <a:srgbClr val="000000"/>
@@ -11127,7 +11144,7 @@
               <a:buChar char=""/>
             </a:pPr>
             <a:r>
-              <a:rPr lang="pt-BR" spc="-1">
+              <a:rPr lang="pt-BR" spc="-1" dirty="0" err="1">
                 <a:solidFill>
                   <a:srgbClr val="01498E"/>
                 </a:solidFill>
@@ -11518,8 +11535,8 @@
         </p:nvSpPr>
         <p:spPr>
           <a:xfrm rot="7200">
-            <a:off x="178920" y="1398525"/>
-            <a:ext cx="6189480" cy="3181469"/>
+            <a:off x="178918" y="1258180"/>
+            <a:ext cx="7365937" cy="3464623"/>
           </a:xfrm>
           <a:prstGeom prst="rect">
             <a:avLst/>
@@ -11542,7 +11559,7 @@
           <a:fontRef idx="minor"/>
         </p:style>
         <p:txBody>
-          <a:bodyPr lIns="90000" tIns="45000" rIns="90000" bIns="45000" anchor="t">
+          <a:bodyPr wrap="square" lIns="90000" tIns="45000" rIns="90000" bIns="45000" anchor="t">
             <a:spAutoFit/>
           </a:bodyPr>
           <a:lstStyle/>
@@ -11658,12 +11675,6 @@
               </a:rPr>
               <a:t>Utilize o app da pasta ativ01 para:</a:t>
             </a:r>
-            <a:endParaRPr lang="pt-BR" sz="1600" b="0" strike="noStrike" spc="-1" dirty="0">
-              <a:solidFill>
-                <a:srgbClr val="000000"/>
-              </a:solidFill>
-              <a:latin typeface="Arial"/>
-            </a:endParaRPr>
           </a:p>
           <a:p>
             <a:pPr marL="432000" lvl="1" indent="-216000" algn="just">
@@ -11685,14 +11696,8 @@
                 <a:latin typeface="Arial"/>
                 <a:ea typeface="Calibri"/>
               </a:rPr>
-              <a:t>Solucionar bug que impede salvamento e carregamento das atividades anteriores</a:t>
-            </a:r>
-            <a:endParaRPr lang="pt-BR" sz="1600" b="0" strike="noStrike" spc="-1" dirty="0">
-              <a:solidFill>
-                <a:srgbClr val="000000"/>
-              </a:solidFill>
-              <a:latin typeface="Arial"/>
-            </a:endParaRPr>
+              <a:t>Copie o app para uma pasta com seu nome dentro de “entregas”</a:t>
+            </a:r>
           </a:p>
           <a:p>
             <a:pPr marL="432000" lvl="1" indent="-216000" algn="just">
@@ -11714,7 +11719,27 @@
                 <a:latin typeface="Arial"/>
                 <a:ea typeface="Calibri"/>
               </a:rPr>
-              <a:t>Implemente um contador regressivo para tarefas concluídas (informando o tempo passado após a conclusão da mesma)</a:t>
+              <a:t>Solucionar bug que impede salvamento e carregamento </a:t>
+            </a:r>
+            <a:r>
+              <a:rPr lang="pt-BR" sz="1600" b="0" strike="noStrike" spc="-1">
+                <a:solidFill>
+                  <a:srgbClr val="01498E"/>
+                </a:solidFill>
+                <a:latin typeface="Arial"/>
+                <a:ea typeface="Calibri"/>
+              </a:rPr>
+              <a:t>das tarefas </a:t>
+            </a:r>
+            <a:r>
+              <a:rPr lang="pt-BR" sz="1600" b="0" strike="noStrike" spc="-1" dirty="0">
+                <a:solidFill>
+                  <a:srgbClr val="01498E"/>
+                </a:solidFill>
+                <a:latin typeface="Arial"/>
+                <a:ea typeface="Calibri"/>
+              </a:rPr>
+              <a:t>anteriores</a:t>
             </a:r>
             <a:endParaRPr lang="pt-BR" sz="1600" b="0" strike="noStrike" spc="-1" dirty="0">
               <a:solidFill>
@@ -11743,37 +11768,86 @@
                 <a:latin typeface="Arial"/>
                 <a:ea typeface="Calibri"/>
               </a:rPr>
-              <a:t>Usando GIT Desktop faça o </a:t>
-            </a:r>
-            <a:r>
-              <a:rPr lang="pt-BR" sz="1600" b="0" strike="noStrike" spc="-1" dirty="0" err="1">
+              <a:t>Implemente mostrar contador regressivo para tarefas concluídas (informando o tempo passado após a conclusão da mesma)</a:t>
+            </a:r>
+            <a:endParaRPr lang="pt-BR" sz="1600" b="0" strike="noStrike" spc="-1" dirty="0">
+              <a:solidFill>
+                <a:srgbClr val="000000"/>
+              </a:solidFill>
+              <a:latin typeface="Arial"/>
+            </a:endParaRPr>
+          </a:p>
+          <a:p>
+            <a:pPr marL="432000" lvl="1" indent="-216000" algn="just">
+              <a:lnSpc>
+                <a:spcPct val="115000"/>
+              </a:lnSpc>
+              <a:buClr>
+                <a:srgbClr val="000000"/>
+              </a:buClr>
+              <a:buSzPct val="45000"/>
+              <a:buFont typeface="Wingdings" charset="2"/>
+              <a:buChar char=""/>
+            </a:pPr>
+            <a:r>
+              <a:rPr lang="pt-BR" sz="1600" b="0" strike="noStrike" spc="-1" dirty="0">
                 <a:solidFill>
                   <a:srgbClr val="01498E"/>
                 </a:solidFill>
                 <a:latin typeface="Arial"/>
                 <a:ea typeface="Calibri"/>
               </a:rPr>
-              <a:t>fork</a:t>
-            </a:r>
-            <a:r>
-              <a:rPr lang="pt-BR" sz="1600" b="0" strike="noStrike" spc="-1" dirty="0">
+              <a:t>Usando GIT Desktop faça o </a:t>
+            </a:r>
+            <a:r>
+              <a:rPr lang="pt-BR" sz="1600" b="0" strike="noStrike" spc="-1" dirty="0" err="1">
                 <a:solidFill>
                   <a:srgbClr val="01498E"/>
                 </a:solidFill>
                 <a:latin typeface="Arial"/>
                 <a:ea typeface="Calibri"/>
               </a:rPr>
-              <a:t>, </a:t>
-            </a:r>
-            <a:r>
-              <a:rPr lang="pt-BR" sz="1600" b="0" strike="noStrike" spc="-1" dirty="0" err="1">
+              <a:t>commit</a:t>
+            </a:r>
+            <a:r>
+              <a:rPr lang="pt-BR" sz="1600" b="0" strike="noStrike" spc="-1" dirty="0">
                 <a:solidFill>
                   <a:srgbClr val="01498E"/>
                 </a:solidFill>
                 <a:latin typeface="Arial"/>
                 <a:ea typeface="Calibri"/>
               </a:rPr>
-              <a:t>commit</a:t>
+              <a:t>/</a:t>
+            </a:r>
+            <a:r>
+              <a:rPr lang="pt-BR" sz="1600" b="0" strike="noStrike" spc="-1" dirty="0" err="1">
+                <a:solidFill>
+                  <a:srgbClr val="01498E"/>
+                </a:solidFill>
+                <a:latin typeface="Arial"/>
+                <a:ea typeface="Calibri"/>
+              </a:rPr>
+              <a:t>fork</a:t>
+            </a:r>
+            <a:r>
+              <a:rPr lang="pt-BR" sz="1600" b="0" strike="noStrike" spc="-1" dirty="0">
+                <a:solidFill>
+                  <a:srgbClr val="01498E"/>
+                </a:solidFill>
+                <a:latin typeface="Arial"/>
+                <a:ea typeface="Calibri"/>
+              </a:rPr>
+              <a:t>, </a:t>
+            </a:r>
+            <a:r>
+              <a:rPr lang="pt-BR" sz="1600" b="0" strike="noStrike" spc="-1" dirty="0" err="1">
+                <a:solidFill>
+                  <a:srgbClr val="01498E"/>
+                </a:solidFill>
+                <a:latin typeface="Arial"/>
+                <a:ea typeface="Calibri"/>
+              </a:rPr>
+              <a:t>push</a:t>
             </a:r>
             <a:r>
               <a:rPr lang="pt-BR" sz="1600" b="0" strike="noStrike" spc="-1" dirty="0">
